--- a/Week One/Week1Slides.pptx
+++ b/Week One/Week1Slides.pptx
@@ -135,6 +135,11 @@
       </a:defRPr>
     </a:lvl9pPr>
   </p:defaultTextStyle>
+  <p:extLst>
+    <p:ext uri="{EFAFB233-063F-42B5-8137-9DF3F51BA10A}">
+      <p15:sldGuideLst xmlns:p15="http://schemas.microsoft.com/office/powerpoint/2012/main"/>
+    </p:ext>
+  </p:extLst>
 </p:presentation>
 </file>
 
@@ -233,7 +238,7 @@
           <a:effectLst/>
           <a:extLst>
             <a:ext uri="{91240B29-F687-4f45-9708-019B960494DF}">
-              <a14:hiddenLine xmlns:a14="http://schemas.microsoft.com/office/drawing/2010/main" xmlns="" w="9525">
+              <a14:hiddenLine xmlns="" xmlns:a14="http://schemas.microsoft.com/office/drawing/2010/main" w="9525">
                 <a:solidFill>
                   <a:srgbClr val="000000"/>
                 </a:solidFill>
@@ -426,7 +431,7 @@
             <a:fld id="{08B9EBBA-996F-894A-B54A-D6246ED52CEA}" type="datetimeFigureOut">
               <a:rPr lang="en-US" dirty="0"/>
               <a:pPr/>
-              <a:t>9/3/2015</a:t>
+              <a:t>9/8/2015</a:t>
             </a:fld>
             <a:endParaRPr lang="en-US" dirty="0"/>
           </a:p>
@@ -741,7 +746,7 @@
             <a:fld id="{18C79C5D-2A6F-F04D-97DA-BEF2467B64E4}" type="datetimeFigureOut">
               <a:rPr lang="en-US" dirty="0"/>
               <a:pPr/>
-              <a:t>9/3/2015</a:t>
+              <a:t>9/8/2015</a:t>
             </a:fld>
             <a:endParaRPr lang="en-US" dirty="0"/>
           </a:p>
@@ -1226,7 +1231,7 @@
             <a:fld id="{8DFA1846-DA80-1C48-A609-854EA85C59AD}" type="datetimeFigureOut">
               <a:rPr lang="en-US" dirty="0"/>
               <a:pPr/>
-              <a:t>9/3/2015</a:t>
+              <a:t>9/8/2015</a:t>
             </a:fld>
             <a:endParaRPr lang="en-US" dirty="0"/>
           </a:p>
@@ -1592,7 +1597,7 @@
             <a:fld id="{FBF54567-0DE4-3F47-BF90-CB84690072F9}" type="datetimeFigureOut">
               <a:rPr lang="en-US" dirty="0"/>
               <a:pPr/>
-              <a:t>9/3/2015</a:t>
+              <a:t>9/8/2015</a:t>
             </a:fld>
             <a:endParaRPr lang="en-US" dirty="0"/>
           </a:p>
@@ -1743,7 +1748,7 @@
           <a:ln/>
           <a:extLst>
             <a:ext uri="{91240B29-F687-4f45-9708-019B960494DF}">
-              <a14:hiddenLine xmlns:a14="http://schemas.microsoft.com/office/drawing/2010/main" xmlns="" w="9525">
+              <a14:hiddenLine xmlns="" xmlns:a14="http://schemas.microsoft.com/office/drawing/2010/main" w="9525">
                 <a:solidFill>
                   <a:srgbClr val="000000"/>
                 </a:solidFill>
@@ -1862,7 +1867,7 @@
             <a:fld id="{C6C52C72-DE31-F449-A4ED-4C594FD91407}" type="datetimeFigureOut">
               <a:rPr lang="en-US" dirty="0"/>
               <a:pPr/>
-              <a:t>9/3/2015</a:t>
+              <a:t>9/8/2015</a:t>
             </a:fld>
             <a:endParaRPr lang="en-US" dirty="0"/>
           </a:p>
@@ -2015,7 +2020,7 @@
           <a:ln/>
           <a:extLst>
             <a:ext uri="{91240B29-F687-4f45-9708-019B960494DF}">
-              <a14:hiddenLine xmlns:a14="http://schemas.microsoft.com/office/drawing/2010/main" xmlns="" w="9525">
+              <a14:hiddenLine xmlns="" xmlns:a14="http://schemas.microsoft.com/office/drawing/2010/main" w="9525">
                 <a:solidFill>
                   <a:srgbClr val="000000"/>
                 </a:solidFill>
@@ -2144,7 +2149,7 @@
             <a:fld id="{ED62726E-379B-B349-9EED-81ED093FA806}" type="datetimeFigureOut">
               <a:rPr lang="en-US" dirty="0"/>
               <a:pPr/>
-              <a:t>9/3/2015</a:t>
+              <a:t>9/8/2015</a:t>
             </a:fld>
             <a:endParaRPr lang="en-US" dirty="0"/>
           </a:p>
@@ -2295,7 +2300,7 @@
           <a:ln/>
           <a:extLst>
             <a:ext uri="{91240B29-F687-4f45-9708-019B960494DF}">
-              <a14:hiddenLine xmlns:a14="http://schemas.microsoft.com/office/drawing/2010/main" xmlns="" w="9525">
+              <a14:hiddenLine xmlns="" xmlns:a14="http://schemas.microsoft.com/office/drawing/2010/main" w="9525">
                 <a:solidFill>
                   <a:srgbClr val="000000"/>
                 </a:solidFill>
@@ -2424,7 +2429,7 @@
             <a:fld id="{9B3A1323-8D79-1946-B0D7-40001CF92E9D}" type="datetimeFigureOut">
               <a:rPr lang="en-US" dirty="0"/>
               <a:pPr/>
-              <a:t>9/3/2015</a:t>
+              <a:t>9/8/2015</a:t>
             </a:fld>
             <a:endParaRPr lang="en-US" dirty="0"/>
           </a:p>
@@ -2764,7 +2769,7 @@
             <a:fld id="{8DFA1846-DA80-1C48-A609-854EA85C59AD}" type="datetimeFigureOut">
               <a:rPr lang="en-US" dirty="0"/>
               <a:pPr/>
-              <a:t>9/3/2015</a:t>
+              <a:t>9/8/2015</a:t>
             </a:fld>
             <a:endParaRPr lang="en-US" dirty="0"/>
           </a:p>
@@ -2915,7 +2920,7 @@
           <a:ln/>
           <a:extLst>
             <a:ext uri="{91240B29-F687-4f45-9708-019B960494DF}">
-              <a14:hiddenLine xmlns:a14="http://schemas.microsoft.com/office/drawing/2010/main" xmlns="" w="9525">
+              <a14:hiddenLine xmlns="" xmlns:a14="http://schemas.microsoft.com/office/drawing/2010/main" w="9525">
                 <a:solidFill>
                   <a:srgbClr val="000000"/>
                 </a:solidFill>
@@ -3100,7 +3105,7 @@
             <a:fld id="{57302355-E14B-8545-A8F8-0FE83CC9D524}" type="datetimeFigureOut">
               <a:rPr lang="en-US" dirty="0"/>
               <a:pPr/>
-              <a:t>9/3/2015</a:t>
+              <a:t>9/8/2015</a:t>
             </a:fld>
             <a:endParaRPr lang="en-US" dirty="0"/>
           </a:p>
@@ -3251,7 +3256,7 @@
           <a:ln/>
           <a:extLst>
             <a:ext uri="{91240B29-F687-4f45-9708-019B960494DF}">
-              <a14:hiddenLine xmlns:a14="http://schemas.microsoft.com/office/drawing/2010/main" xmlns="" w="9525">
+              <a14:hiddenLine xmlns="" xmlns:a14="http://schemas.microsoft.com/office/drawing/2010/main" w="9525">
                 <a:solidFill>
                   <a:srgbClr val="000000"/>
                 </a:solidFill>
@@ -3574,7 +3579,7 @@
             <a:fld id="{02640F58-564D-2B4F-AE67-E407BA4FCF45}" type="datetimeFigureOut">
               <a:rPr lang="en-US" dirty="0"/>
               <a:pPr/>
-              <a:t>9/3/2015</a:t>
+              <a:t>9/8/2015</a:t>
             </a:fld>
             <a:endParaRPr lang="en-US" dirty="0"/>
           </a:p>
@@ -3725,7 +3730,7 @@
           <a:ln/>
           <a:extLst>
             <a:ext uri="{91240B29-F687-4f45-9708-019B960494DF}">
-              <a14:hiddenLine xmlns:a14="http://schemas.microsoft.com/office/drawing/2010/main" xmlns="" w="9525">
+              <a14:hiddenLine xmlns="" xmlns:a14="http://schemas.microsoft.com/office/drawing/2010/main" w="9525">
                 <a:solidFill>
                   <a:srgbClr val="000000"/>
                 </a:solidFill>
@@ -3792,7 +3797,7 @@
             <a:fld id="{F13A34C8-038E-2045-AF43-DF7DBB8E0E9E}" type="datetimeFigureOut">
               <a:rPr lang="en-US" dirty="0"/>
               <a:pPr/>
-              <a:t>9/3/2015</a:t>
+              <a:t>9/8/2015</a:t>
             </a:fld>
             <a:endParaRPr lang="en-US" dirty="0"/>
           </a:p>
@@ -3884,7 +3889,7 @@
             <a:fld id="{8818C68F-D26B-8F47-958C-23B49CF8A634}" type="datetimeFigureOut">
               <a:rPr lang="en-US" dirty="0"/>
               <a:pPr/>
-              <a:t>9/3/2015</a:t>
+              <a:t>9/8/2015</a:t>
             </a:fld>
             <a:endParaRPr lang="en-US" dirty="0"/>
           </a:p>
@@ -4148,7 +4153,7 @@
           <a:ln/>
           <a:extLst>
             <a:ext uri="{91240B29-F687-4f45-9708-019B960494DF}">
-              <a14:hiddenLine xmlns:a14="http://schemas.microsoft.com/office/drawing/2010/main" xmlns="" w="9525">
+              <a14:hiddenLine xmlns="" xmlns:a14="http://schemas.microsoft.com/office/drawing/2010/main" w="9525">
                 <a:solidFill>
                   <a:srgbClr val="000000"/>
                 </a:solidFill>
@@ -4348,7 +4353,7 @@
             <a:fld id="{D0DF5E60-9974-AC48-9591-99C2BB44B7CF}" type="datetimeFigureOut">
               <a:rPr lang="en-US" dirty="0"/>
               <a:pPr/>
-              <a:t>9/3/2015</a:t>
+              <a:t>9/8/2015</a:t>
             </a:fld>
             <a:endParaRPr lang="en-US" dirty="0"/>
           </a:p>
@@ -4658,7 +4663,7 @@
             <a:fld id="{18C79C5D-2A6F-F04D-97DA-BEF2467B64E4}" type="datetimeFigureOut">
               <a:rPr lang="en-US" dirty="0"/>
               <a:pPr/>
-              <a:t>9/3/2015</a:t>
+              <a:t>9/8/2015</a:t>
             </a:fld>
             <a:endParaRPr lang="en-US" dirty="0"/>
           </a:p>
@@ -4925,7 +4930,7 @@
             <a:fld id="{09B482E8-6E0E-1B4F-B1FD-C69DB9E858D9}" type="datetimeFigureOut">
               <a:rPr lang="en-US" dirty="0"/>
               <a:pPr/>
-              <a:t>9/3/2015</a:t>
+              <a:t>9/8/2015</a:t>
             </a:fld>
             <a:endParaRPr lang="en-US" dirty="0"/>
           </a:p>
@@ -6343,6 +6348,49 @@
             </a:r>
           </a:p>
           <a:p>
+            <a:pPr marL="0" indent="0">
+              <a:buNone/>
+            </a:pPr>
+            <a:endParaRPr lang="en-US" dirty="0" smtClean="0"/>
+          </a:p>
+          <a:p>
+            <a:pPr marL="0" indent="0">
+              <a:buNone/>
+            </a:pPr>
+            <a:r>
+              <a:rPr lang="en-US" dirty="0" smtClean="0"/>
+              <a:t>Ex. </a:t>
+            </a:r>
+            <a:r>
+              <a:rPr lang="en-US" dirty="0"/>
+              <a:t>s</a:t>
+            </a:r>
+            <a:r>
+              <a:rPr lang="en-US" dirty="0" smtClean="0"/>
+              <a:t>elector{</a:t>
+            </a:r>
+          </a:p>
+          <a:p>
+            <a:pPr marL="0" indent="0">
+              <a:buNone/>
+            </a:pPr>
+            <a:r>
+              <a:rPr lang="en-US" dirty="0"/>
+              <a:t>	</a:t>
+            </a:r>
+            <a:r>
+              <a:rPr lang="en-US" dirty="0" smtClean="0"/>
+              <a:t>property: value;</a:t>
+            </a:r>
+          </a:p>
+          <a:p>
+            <a:pPr marL="0" indent="0">
+              <a:buNone/>
+            </a:pPr>
+            <a:r>
+              <a:rPr lang="en-US" dirty="0" smtClean="0"/>
+              <a:t>     }</a:t>
+            </a:r>
             <a:endParaRPr lang="en-US" dirty="0"/>
           </a:p>
         </p:txBody>
@@ -7885,7 +7933,44 @@
           <a:p>
             <a:r>
               <a:rPr lang="en-US" dirty="0" smtClean="0"/>
-              <a:t>Room 520</a:t>
+              <a:t>Room </a:t>
+            </a:r>
+            <a:r>
+              <a:rPr lang="en-US" dirty="0" smtClean="0"/>
+              <a:t>520</a:t>
+            </a:r>
+          </a:p>
+          <a:p>
+            <a:endParaRPr lang="en-US" dirty="0"/>
+          </a:p>
+          <a:p>
+            <a:r>
+              <a:rPr lang="en-US" dirty="0" smtClean="0"/>
+              <a:t>Office Hours:</a:t>
+            </a:r>
+          </a:p>
+          <a:p>
+            <a:r>
+              <a:rPr lang="en-US" dirty="0" smtClean="0"/>
+              <a:t>By appointment.  Contact Jenna</a:t>
+            </a:r>
+          </a:p>
+          <a:p>
+            <a:r>
+              <a:rPr lang="en-US" dirty="0" smtClean="0">
+                <a:hlinkClick r:id="rId2"/>
+              </a:rPr>
+              <a:t>newmedia@academyart.edu</a:t>
+            </a:r>
+            <a:r>
+              <a:rPr lang="en-US" dirty="0" smtClean="0"/>
+              <a:t> </a:t>
+            </a:r>
+          </a:p>
+          <a:p>
+            <a:r>
+              <a:rPr lang="en-US" dirty="0" smtClean="0"/>
+              <a:t>To set up an appointment</a:t>
             </a:r>
             <a:endParaRPr lang="en-US" dirty="0"/>
           </a:p>
@@ -7902,7 +7987,7 @@
           </p:nvPr>
         </p:nvPicPr>
         <p:blipFill>
-          <a:blip r:embed="rId2">
+          <a:blip r:embed="rId3">
             <a:extLst>
               <a:ext uri="{28A0092B-C50C-407E-A947-70E740481C1C}">
                 <a14:useLocalDpi xmlns:a14="http://schemas.microsoft.com/office/drawing/2010/main" val="0"/>
@@ -7982,7 +8067,11 @@
           <a:p>
             <a:r>
               <a:rPr lang="en-US" sz="4000" dirty="0" smtClean="0"/>
-              <a:t>I can’t remember names well!!!</a:t>
+              <a:t>I can’t remember </a:t>
+            </a:r>
+            <a:r>
+              <a:rPr lang="en-US" sz="4000" dirty="0" smtClean="0"/>
+              <a:t>names!!!</a:t>
             </a:r>
             <a:endParaRPr lang="en-US" sz="4000" dirty="0"/>
           </a:p>
@@ -8214,6 +8303,14 @@
               <a:t>BBEdit</a:t>
             </a:r>
           </a:p>
+          <a:p>
+            <a:pPr lvl="1"/>
+            <a:r>
+              <a:rPr lang="en-US" dirty="0" smtClean="0"/>
+              <a:t>Your choice…</a:t>
+            </a:r>
+            <a:endParaRPr lang="en-US" dirty="0" smtClean="0"/>
+          </a:p>
         </p:txBody>
       </p:sp>
     </p:spTree>
@@ -8394,7 +8491,17 @@
           <a:p>
             <a:r>
               <a:rPr lang="en-US" dirty="0" smtClean="0"/>
-              <a:t>We will use the LMS to turn in and get grades on assignments.  Not Titan.</a:t>
+              <a:t>We will use the LMS to turn in and get grades on assignments.  Not Titan</a:t>
+            </a:r>
+            <a:r>
+              <a:rPr lang="en-US" dirty="0" smtClean="0"/>
+              <a:t>.</a:t>
+            </a:r>
+          </a:p>
+          <a:p>
+            <a:r>
+              <a:rPr lang="en-US" dirty="0" smtClean="0"/>
+              <a:t>Demo: How to turn in assignments</a:t>
             </a:r>
             <a:endParaRPr lang="en-US" dirty="0"/>
           </a:p>

--- a/Week One/Week1Slides.pptx
+++ b/Week One/Week1Slides.pptx
@@ -35,8 +35,10 @@
     <p:sldId id="283" r:id="rId29"/>
     <p:sldId id="284" r:id="rId30"/>
     <p:sldId id="285" r:id="rId31"/>
-    <p:sldId id="286" r:id="rId32"/>
-    <p:sldId id="287" r:id="rId33"/>
+    <p:sldId id="288" r:id="rId32"/>
+    <p:sldId id="289" r:id="rId33"/>
+    <p:sldId id="290" r:id="rId34"/>
+    <p:sldId id="287" r:id="rId35"/>
   </p:sldIdLst>
   <p:sldSz cx="12192000" cy="6858000"/>
   <p:notesSz cx="6858000" cy="9144000"/>
@@ -238,7 +240,7 @@
           <a:effectLst/>
           <a:extLst>
             <a:ext uri="{91240B29-F687-4f45-9708-019B960494DF}">
-              <a14:hiddenLine xmlns="" xmlns:a14="http://schemas.microsoft.com/office/drawing/2010/main" w="9525">
+              <a14:hiddenLine xmlns:a14="http://schemas.microsoft.com/office/drawing/2010/main" xmlns="" w="9525">
                 <a:solidFill>
                   <a:srgbClr val="000000"/>
                 </a:solidFill>
@@ -1748,7 +1750,7 @@
           <a:ln/>
           <a:extLst>
             <a:ext uri="{91240B29-F687-4f45-9708-019B960494DF}">
-              <a14:hiddenLine xmlns="" xmlns:a14="http://schemas.microsoft.com/office/drawing/2010/main" w="9525">
+              <a14:hiddenLine xmlns:a14="http://schemas.microsoft.com/office/drawing/2010/main" xmlns="" w="9525">
                 <a:solidFill>
                   <a:srgbClr val="000000"/>
                 </a:solidFill>
@@ -2020,7 +2022,7 @@
           <a:ln/>
           <a:extLst>
             <a:ext uri="{91240B29-F687-4f45-9708-019B960494DF}">
-              <a14:hiddenLine xmlns="" xmlns:a14="http://schemas.microsoft.com/office/drawing/2010/main" w="9525">
+              <a14:hiddenLine xmlns:a14="http://schemas.microsoft.com/office/drawing/2010/main" xmlns="" w="9525">
                 <a:solidFill>
                   <a:srgbClr val="000000"/>
                 </a:solidFill>
@@ -2300,7 +2302,7 @@
           <a:ln/>
           <a:extLst>
             <a:ext uri="{91240B29-F687-4f45-9708-019B960494DF}">
-              <a14:hiddenLine xmlns="" xmlns:a14="http://schemas.microsoft.com/office/drawing/2010/main" w="9525">
+              <a14:hiddenLine xmlns:a14="http://schemas.microsoft.com/office/drawing/2010/main" xmlns="" w="9525">
                 <a:solidFill>
                   <a:srgbClr val="000000"/>
                 </a:solidFill>
@@ -2920,7 +2922,7 @@
           <a:ln/>
           <a:extLst>
             <a:ext uri="{91240B29-F687-4f45-9708-019B960494DF}">
-              <a14:hiddenLine xmlns="" xmlns:a14="http://schemas.microsoft.com/office/drawing/2010/main" w="9525">
+              <a14:hiddenLine xmlns:a14="http://schemas.microsoft.com/office/drawing/2010/main" xmlns="" w="9525">
                 <a:solidFill>
                   <a:srgbClr val="000000"/>
                 </a:solidFill>
@@ -3256,7 +3258,7 @@
           <a:ln/>
           <a:extLst>
             <a:ext uri="{91240B29-F687-4f45-9708-019B960494DF}">
-              <a14:hiddenLine xmlns="" xmlns:a14="http://schemas.microsoft.com/office/drawing/2010/main" w="9525">
+              <a14:hiddenLine xmlns:a14="http://schemas.microsoft.com/office/drawing/2010/main" xmlns="" w="9525">
                 <a:solidFill>
                   <a:srgbClr val="000000"/>
                 </a:solidFill>
@@ -3730,7 +3732,7 @@
           <a:ln/>
           <a:extLst>
             <a:ext uri="{91240B29-F687-4f45-9708-019B960494DF}">
-              <a14:hiddenLine xmlns="" xmlns:a14="http://schemas.microsoft.com/office/drawing/2010/main" w="9525">
+              <a14:hiddenLine xmlns:a14="http://schemas.microsoft.com/office/drawing/2010/main" xmlns="" w="9525">
                 <a:solidFill>
                   <a:srgbClr val="000000"/>
                 </a:solidFill>
@@ -4153,7 +4155,7 @@
           <a:ln/>
           <a:extLst>
             <a:ext uri="{91240B29-F687-4f45-9708-019B960494DF}">
-              <a14:hiddenLine xmlns="" xmlns:a14="http://schemas.microsoft.com/office/drawing/2010/main" w="9525">
+              <a14:hiddenLine xmlns:a14="http://schemas.microsoft.com/office/drawing/2010/main" xmlns="" w="9525">
                 <a:solidFill>
                   <a:srgbClr val="000000"/>
                 </a:solidFill>
@@ -7734,43 +7736,35 @@
           <a:p>
             <a:r>
               <a:rPr lang="en-US" dirty="0" smtClean="0"/>
-              <a:t>Arrays and Functions</a:t>
-            </a:r>
-            <a:endParaRPr lang="en-US" dirty="0"/>
-          </a:p>
-        </p:txBody>
-      </p:sp>
-      <p:sp>
-        <p:nvSpPr>
-          <p:cNvPr id="3" name="Content Placeholder 2"/>
-          <p:cNvSpPr>
-            <a:spLocks noGrp="1"/>
-          </p:cNvSpPr>
-          <p:nvPr>
-            <p:ph idx="1"/>
-          </p:nvPr>
-        </p:nvSpPr>
-        <p:spPr/>
-        <p:txBody>
-          <a:bodyPr/>
-          <a:lstStyle/>
-          <a:p>
-            <a:r>
-              <a:rPr lang="en-US" dirty="0" smtClean="0"/>
-              <a:t>More </a:t>
-            </a:r>
-            <a:r>
-              <a:rPr lang="en-US" dirty="0" err="1" smtClean="0"/>
-              <a:t>demooooooooooooooo</a:t>
-            </a:r>
-            <a:endParaRPr lang="en-US" dirty="0"/>
+              <a:t>Mobile Web Apps, Hybrid Apps, and Native Apps</a:t>
+            </a:r>
+            <a:endParaRPr lang="en-US" dirty="0"/>
+          </a:p>
+        </p:txBody>
+      </p:sp>
+      <p:sp>
+        <p:nvSpPr>
+          <p:cNvPr id="3" name="Text Placeholder 2"/>
+          <p:cNvSpPr>
+            <a:spLocks noGrp="1"/>
+          </p:cNvSpPr>
+          <p:nvPr>
+            <p:ph type="body" idx="1"/>
+          </p:nvPr>
+        </p:nvSpPr>
+        <p:spPr/>
+        <p:txBody>
+          <a:bodyPr/>
+          <a:lstStyle/>
+          <a:p>
+            <a:endParaRPr lang="en-US"/>
           </a:p>
         </p:txBody>
       </p:sp>
     </p:spTree>
     <p:extLst>
       <p:ext uri="{BB962C8B-B14F-4D97-AF65-F5344CB8AC3E}">
-        <p14:creationId xmlns:p14="http://schemas.microsoft.com/office/powerpoint/2010/main" val="4197322949"/>
+        <p14:creationId xmlns:p14="http://schemas.microsoft.com/office/powerpoint/2010/main" val="4198420291"/>
       </p:ext>
     </p:extLst>
   </p:cSld>
@@ -7788,6 +7782,327 @@
 </file>
 
 <file path=ppt/slides/slide32.xml><?xml version="1.0" encoding="utf-8"?>
+<p:sld xmlns:a="http://schemas.openxmlformats.org/drawingml/2006/main" xmlns:r="http://schemas.openxmlformats.org/officeDocument/2006/relationships" xmlns:p="http://schemas.openxmlformats.org/presentationml/2006/main">
+  <p:cSld>
+    <p:spTree>
+      <p:nvGrpSpPr>
+        <p:cNvPr id="1" name=""/>
+        <p:cNvGrpSpPr/>
+        <p:nvPr/>
+      </p:nvGrpSpPr>
+      <p:grpSpPr>
+        <a:xfrm>
+          <a:off x="0" y="0"/>
+          <a:ext cx="0" cy="0"/>
+          <a:chOff x="0" y="0"/>
+          <a:chExt cx="0" cy="0"/>
+        </a:xfrm>
+      </p:grpSpPr>
+      <p:sp>
+        <p:nvSpPr>
+          <p:cNvPr id="2" name="Title 1"/>
+          <p:cNvSpPr>
+            <a:spLocks noGrp="1"/>
+          </p:cNvSpPr>
+          <p:nvPr>
+            <p:ph type="title"/>
+          </p:nvPr>
+        </p:nvSpPr>
+        <p:spPr/>
+        <p:txBody>
+          <a:bodyPr/>
+          <a:lstStyle/>
+          <a:p>
+            <a:r>
+              <a:rPr lang="en-US" dirty="0" smtClean="0"/>
+              <a:t>What are they?</a:t>
+            </a:r>
+            <a:endParaRPr lang="en-US" dirty="0"/>
+          </a:p>
+        </p:txBody>
+      </p:sp>
+      <p:sp>
+        <p:nvSpPr>
+          <p:cNvPr id="3" name="Content Placeholder 2"/>
+          <p:cNvSpPr>
+            <a:spLocks noGrp="1"/>
+          </p:cNvSpPr>
+          <p:nvPr>
+            <p:ph idx="1"/>
+          </p:nvPr>
+        </p:nvSpPr>
+        <p:spPr/>
+        <p:txBody>
+          <a:bodyPr/>
+          <a:lstStyle/>
+          <a:p>
+            <a:r>
+              <a:rPr lang="en-US" dirty="0" smtClean="0"/>
+              <a:t>Mobile Web Apps consist strictly of web standards technologies (HTML, CSS, JavaScript, and/or frameworks).  They are NOT installed on the users mobile device.  They ARE accessed through a mobile web browser.</a:t>
+            </a:r>
+          </a:p>
+          <a:p>
+            <a:r>
+              <a:rPr lang="en-US" dirty="0" smtClean="0"/>
+              <a:t>Hybrid Apps are created using web standards technologies (HTML, CSS, JavaScript, and frameworks).  They use another framework such as </a:t>
+            </a:r>
+            <a:r>
+              <a:rPr lang="en-US" dirty="0" err="1" smtClean="0"/>
+              <a:t>PhoneGap</a:t>
+            </a:r>
+            <a:r>
+              <a:rPr lang="en-US" dirty="0" smtClean="0"/>
+              <a:t> or Ionic to allow the user to install the App onto a device.</a:t>
+            </a:r>
+          </a:p>
+          <a:p>
+            <a:r>
+              <a:rPr lang="en-US" dirty="0" smtClean="0"/>
+              <a:t>Native Apps are creating using programming languages such as Swift, Java, or Objective C.  </a:t>
+            </a:r>
+          </a:p>
+          <a:p>
+            <a:endParaRPr lang="en-US" dirty="0"/>
+          </a:p>
+        </p:txBody>
+      </p:sp>
+    </p:spTree>
+    <p:extLst>
+      <p:ext uri="{BB962C8B-B14F-4D97-AF65-F5344CB8AC3E}">
+        <p14:creationId xmlns:p14="http://schemas.microsoft.com/office/powerpoint/2010/main" val="3628316888"/>
+      </p:ext>
+    </p:extLst>
+  </p:cSld>
+  <p:clrMapOvr>
+    <a:masterClrMapping/>
+  </p:clrMapOvr>
+  <p:timing>
+    <p:tnLst>
+      <p:par>
+        <p:cTn id="1" dur="indefinite" restart="never" nodeType="tmRoot"/>
+      </p:par>
+    </p:tnLst>
+  </p:timing>
+</p:sld>
+</file>
+
+<file path=ppt/slides/slide33.xml><?xml version="1.0" encoding="utf-8"?>
+<p:sld xmlns:a="http://schemas.openxmlformats.org/drawingml/2006/main" xmlns:r="http://schemas.openxmlformats.org/officeDocument/2006/relationships" xmlns:p="http://schemas.openxmlformats.org/presentationml/2006/main">
+  <p:cSld>
+    <p:spTree>
+      <p:nvGrpSpPr>
+        <p:cNvPr id="1" name=""/>
+        <p:cNvGrpSpPr/>
+        <p:nvPr/>
+      </p:nvGrpSpPr>
+      <p:grpSpPr>
+        <a:xfrm>
+          <a:off x="0" y="0"/>
+          <a:ext cx="0" cy="0"/>
+          <a:chOff x="0" y="0"/>
+          <a:chExt cx="0" cy="0"/>
+        </a:xfrm>
+      </p:grpSpPr>
+      <p:sp>
+        <p:nvSpPr>
+          <p:cNvPr id="2" name="Title 1"/>
+          <p:cNvSpPr>
+            <a:spLocks noGrp="1"/>
+          </p:cNvSpPr>
+          <p:nvPr>
+            <p:ph type="title"/>
+          </p:nvPr>
+        </p:nvSpPr>
+        <p:spPr/>
+        <p:txBody>
+          <a:bodyPr/>
+          <a:lstStyle/>
+          <a:p>
+            <a:r>
+              <a:rPr lang="en-US" dirty="0" smtClean="0"/>
+              <a:t>Comparison</a:t>
+            </a:r>
+            <a:endParaRPr lang="en-US" dirty="0"/>
+          </a:p>
+        </p:txBody>
+      </p:sp>
+      <p:sp>
+        <p:nvSpPr>
+          <p:cNvPr id="3" name="Text Placeholder 2"/>
+          <p:cNvSpPr>
+            <a:spLocks noGrp="1"/>
+          </p:cNvSpPr>
+          <p:nvPr>
+            <p:ph type="body" idx="1"/>
+          </p:nvPr>
+        </p:nvSpPr>
+        <p:spPr/>
+        <p:txBody>
+          <a:bodyPr/>
+          <a:lstStyle/>
+          <a:p>
+            <a:r>
+              <a:rPr lang="en-US" dirty="0" smtClean="0"/>
+              <a:t>Mobile Web App/Hybrid App</a:t>
+            </a:r>
+            <a:endParaRPr lang="en-US" dirty="0"/>
+          </a:p>
+        </p:txBody>
+      </p:sp>
+      <p:sp>
+        <p:nvSpPr>
+          <p:cNvPr id="4" name="Content Placeholder 3"/>
+          <p:cNvSpPr>
+            <a:spLocks noGrp="1"/>
+          </p:cNvSpPr>
+          <p:nvPr>
+            <p:ph sz="half" idx="2"/>
+          </p:nvPr>
+        </p:nvSpPr>
+        <p:spPr/>
+        <p:txBody>
+          <a:bodyPr>
+            <a:normAutofit fontScale="77500" lnSpcReduction="20000"/>
+          </a:bodyPr>
+          <a:lstStyle/>
+          <a:p>
+            <a:r>
+              <a:rPr lang="en-US" dirty="0" smtClean="0"/>
+              <a:t>Built using web technologies</a:t>
+            </a:r>
+          </a:p>
+          <a:p>
+            <a:r>
+              <a:rPr lang="en-US" dirty="0" smtClean="0"/>
+              <a:t>Mobile Web Apps require an internet connection at some point</a:t>
+            </a:r>
+          </a:p>
+          <a:p>
+            <a:r>
+              <a:rPr lang="en-US" dirty="0" smtClean="0"/>
+              <a:t>Hybrid Apps may or may not need an internet connection</a:t>
+            </a:r>
+          </a:p>
+          <a:p>
+            <a:r>
+              <a:rPr lang="en-US" dirty="0" smtClean="0"/>
+              <a:t>In some cases can perform slower than Native Apps</a:t>
+            </a:r>
+          </a:p>
+          <a:p>
+            <a:r>
+              <a:rPr lang="en-US" dirty="0" smtClean="0"/>
+              <a:t>Much easier to develop (sometimes)</a:t>
+            </a:r>
+          </a:p>
+          <a:p>
+            <a:r>
+              <a:rPr lang="en-US" dirty="0" smtClean="0"/>
+              <a:t>Mobile Web Apps can’t be installed on device</a:t>
+            </a:r>
+          </a:p>
+          <a:p>
+            <a:r>
+              <a:rPr lang="en-US" dirty="0" smtClean="0"/>
+              <a:t>Hybrid Apps are always installed on device</a:t>
+            </a:r>
+          </a:p>
+          <a:p>
+            <a:r>
+              <a:rPr lang="en-US" dirty="0" smtClean="0"/>
+              <a:t>Hybrid has access to device hardware (camera, etc..)</a:t>
+            </a:r>
+            <a:endParaRPr lang="en-US" dirty="0"/>
+          </a:p>
+        </p:txBody>
+      </p:sp>
+      <p:sp>
+        <p:nvSpPr>
+          <p:cNvPr id="5" name="Text Placeholder 4"/>
+          <p:cNvSpPr>
+            <a:spLocks noGrp="1"/>
+          </p:cNvSpPr>
+          <p:nvPr>
+            <p:ph type="body" sz="quarter" idx="3"/>
+          </p:nvPr>
+        </p:nvSpPr>
+        <p:spPr/>
+        <p:txBody>
+          <a:bodyPr/>
+          <a:lstStyle/>
+          <a:p>
+            <a:r>
+              <a:rPr lang="en-US" dirty="0" smtClean="0"/>
+              <a:t>Native Apps</a:t>
+            </a:r>
+            <a:endParaRPr lang="en-US" dirty="0"/>
+          </a:p>
+        </p:txBody>
+      </p:sp>
+      <p:sp>
+        <p:nvSpPr>
+          <p:cNvPr id="6" name="Content Placeholder 5"/>
+          <p:cNvSpPr>
+            <a:spLocks noGrp="1"/>
+          </p:cNvSpPr>
+          <p:nvPr>
+            <p:ph sz="quarter" idx="4"/>
+          </p:nvPr>
+        </p:nvSpPr>
+        <p:spPr/>
+        <p:txBody>
+          <a:bodyPr/>
+          <a:lstStyle/>
+          <a:p>
+            <a:r>
+              <a:rPr lang="en-US" dirty="0" smtClean="0"/>
+              <a:t>Built using programming languages</a:t>
+            </a:r>
+          </a:p>
+          <a:p>
+            <a:r>
+              <a:rPr lang="en-US" dirty="0" smtClean="0"/>
+              <a:t>Depending on the apps functionality may or may not require internet connection</a:t>
+            </a:r>
+          </a:p>
+          <a:p>
+            <a:r>
+              <a:rPr lang="en-US" dirty="0" smtClean="0"/>
+              <a:t>Direct access to device hardware (camera, etc…)</a:t>
+            </a:r>
+          </a:p>
+          <a:p>
+            <a:r>
+              <a:rPr lang="en-US" dirty="0" smtClean="0"/>
+              <a:t>Must be installed on device</a:t>
+            </a:r>
+          </a:p>
+          <a:p>
+            <a:endParaRPr lang="en-US" dirty="0"/>
+          </a:p>
+        </p:txBody>
+      </p:sp>
+    </p:spTree>
+    <p:extLst>
+      <p:ext uri="{BB962C8B-B14F-4D97-AF65-F5344CB8AC3E}">
+        <p14:creationId xmlns:p14="http://schemas.microsoft.com/office/powerpoint/2010/main" val="3342747145"/>
+      </p:ext>
+    </p:extLst>
+  </p:cSld>
+  <p:clrMapOvr>
+    <a:masterClrMapping/>
+  </p:clrMapOvr>
+  <p:timing>
+    <p:tnLst>
+      <p:par>
+        <p:cTn id="1" dur="indefinite" restart="never" nodeType="tmRoot"/>
+      </p:par>
+    </p:tnLst>
+  </p:timing>
+</p:sld>
+</file>
+
+<file path=ppt/slides/slide34.xml><?xml version="1.0" encoding="utf-8"?>
 <p:sld xmlns:a="http://schemas.openxmlformats.org/drawingml/2006/main" xmlns:r="http://schemas.openxmlformats.org/officeDocument/2006/relationships" xmlns:p="http://schemas.openxmlformats.org/presentationml/2006/main">
   <p:cSld>
     <p:spTree>
@@ -7933,11 +8248,7 @@
           <a:p>
             <a:r>
               <a:rPr lang="en-US" dirty="0" smtClean="0"/>
-              <a:t>Room </a:t>
-            </a:r>
-            <a:r>
-              <a:rPr lang="en-US" dirty="0" smtClean="0"/>
-              <a:t>520</a:t>
+              <a:t>Room 520</a:t>
             </a:r>
           </a:p>
           <a:p>
@@ -8067,11 +8378,7 @@
           <a:p>
             <a:r>
               <a:rPr lang="en-US" sz="4000" dirty="0" smtClean="0"/>
-              <a:t>I can’t remember </a:t>
-            </a:r>
-            <a:r>
-              <a:rPr lang="en-US" sz="4000" dirty="0" smtClean="0"/>
-              <a:t>names!!!</a:t>
+              <a:t>I can’t remember names!!!</a:t>
             </a:r>
             <a:endParaRPr lang="en-US" sz="4000" dirty="0"/>
           </a:p>
@@ -8309,7 +8616,6 @@
               <a:rPr lang="en-US" dirty="0" smtClean="0"/>
               <a:t>Your choice…</a:t>
             </a:r>
-            <a:endParaRPr lang="en-US" dirty="0" smtClean="0"/>
           </a:p>
         </p:txBody>
       </p:sp>
@@ -8491,11 +8797,7 @@
           <a:p>
             <a:r>
               <a:rPr lang="en-US" dirty="0" smtClean="0"/>
-              <a:t>We will use the LMS to turn in and get grades on assignments.  Not Titan</a:t>
-            </a:r>
-            <a:r>
-              <a:rPr lang="en-US" dirty="0" smtClean="0"/>
-              <a:t>.</a:t>
+              <a:t>We will use the LMS to turn in and get grades on assignments.  Not Titan.</a:t>
             </a:r>
           </a:p>
           <a:p>
